--- a/css 1.pptx
+++ b/css 1.pptx
@@ -8,10 +8,10 @@
     <p:sldId id="256" r:id="rId2"/>
     <p:sldId id="257" r:id="rId3"/>
     <p:sldId id="258" r:id="rId4"/>
-    <p:sldId id="259" r:id="rId5"/>
-    <p:sldId id="262" r:id="rId6"/>
-    <p:sldId id="263" r:id="rId7"/>
-    <p:sldId id="260" r:id="rId8"/>
+    <p:sldId id="260" r:id="rId5"/>
+    <p:sldId id="259" r:id="rId6"/>
+    <p:sldId id="262" r:id="rId7"/>
+    <p:sldId id="263" r:id="rId8"/>
     <p:sldId id="261" r:id="rId9"/>
     <p:sldId id="264" r:id="rId10"/>
     <p:sldId id="265" r:id="rId11"/>
@@ -749,7 +749,7 @@
           <a:p>
             <a:fld id="{63ADB11B-E519-4F92-B367-C3939BBD222E}" type="datetimeFigureOut">
               <a:rPr lang="en-US" smtClean="0"/>
-              <a:t>11/26/2024</a:t>
+              <a:t>9/7/2025</a:t>
             </a:fld>
             <a:endParaRPr lang="en-US"/>
           </a:p>
@@ -945,7 +945,7 @@
           <a:p>
             <a:fld id="{63ADB11B-E519-4F92-B367-C3939BBD222E}" type="datetimeFigureOut">
               <a:rPr lang="en-US" smtClean="0"/>
-              <a:t>11/26/2024</a:t>
+              <a:t>9/7/2025</a:t>
             </a:fld>
             <a:endParaRPr lang="en-US"/>
           </a:p>
@@ -1130,7 +1130,7 @@
           <a:p>
             <a:fld id="{63ADB11B-E519-4F92-B367-C3939BBD222E}" type="datetimeFigureOut">
               <a:rPr lang="en-US" smtClean="0"/>
-              <a:t>11/26/2024</a:t>
+              <a:t>9/7/2025</a:t>
             </a:fld>
             <a:endParaRPr lang="en-US"/>
           </a:p>
@@ -1280,7 +1280,7 @@
           <a:p>
             <a:fld id="{63ADB11B-E519-4F92-B367-C3939BBD222E}" type="datetimeFigureOut">
               <a:rPr lang="en-US" smtClean="0"/>
-              <a:t>11/26/2024</a:t>
+              <a:t>9/7/2025</a:t>
             </a:fld>
             <a:endParaRPr lang="en-US"/>
           </a:p>
@@ -1535,7 +1535,7 @@
           <a:p>
             <a:fld id="{63ADB11B-E519-4F92-B367-C3939BBD222E}" type="datetimeFigureOut">
               <a:rPr lang="en-US" smtClean="0"/>
-              <a:t>11/26/2024</a:t>
+              <a:t>9/7/2025</a:t>
             </a:fld>
             <a:endParaRPr lang="en-US"/>
           </a:p>
@@ -1944,7 +1944,7 @@
           <a:p>
             <a:fld id="{63ADB11B-E519-4F92-B367-C3939BBD222E}" type="datetimeFigureOut">
               <a:rPr lang="en-US" smtClean="0"/>
-              <a:t>11/26/2024</a:t>
+              <a:t>9/7/2025</a:t>
             </a:fld>
             <a:endParaRPr lang="en-US"/>
           </a:p>
@@ -2390,7 +2390,7 @@
           <a:p>
             <a:fld id="{63ADB11B-E519-4F92-B367-C3939BBD222E}" type="datetimeFigureOut">
               <a:rPr lang="en-US" smtClean="0"/>
-              <a:t>11/26/2024</a:t>
+              <a:t>9/7/2025</a:t>
             </a:fld>
             <a:endParaRPr lang="en-US"/>
           </a:p>
@@ -2491,7 +2491,7 @@
           <a:p>
             <a:fld id="{63ADB11B-E519-4F92-B367-C3939BBD222E}" type="datetimeFigureOut">
               <a:rPr lang="en-US" smtClean="0"/>
-              <a:t>11/26/2024</a:t>
+              <a:t>9/7/2025</a:t>
             </a:fld>
             <a:endParaRPr lang="en-US"/>
           </a:p>
@@ -2612,7 +2612,7 @@
           <a:p>
             <a:fld id="{63ADB11B-E519-4F92-B367-C3939BBD222E}" type="datetimeFigureOut">
               <a:rPr lang="en-US" smtClean="0"/>
-              <a:t>11/26/2024</a:t>
+              <a:t>9/7/2025</a:t>
             </a:fld>
             <a:endParaRPr lang="en-US"/>
           </a:p>
@@ -2886,7 +2886,7 @@
           <a:p>
             <a:fld id="{63ADB11B-E519-4F92-B367-C3939BBD222E}" type="datetimeFigureOut">
               <a:rPr lang="en-US" smtClean="0"/>
-              <a:t>11/26/2024</a:t>
+              <a:t>9/7/2025</a:t>
             </a:fld>
             <a:endParaRPr lang="en-US"/>
           </a:p>
@@ -3091,7 +3091,7 @@
           <a:p>
             <a:fld id="{63ADB11B-E519-4F92-B367-C3939BBD222E}" type="datetimeFigureOut">
               <a:rPr lang="en-US" smtClean="0"/>
-              <a:t>11/26/2024</a:t>
+              <a:t>9/7/2025</a:t>
             </a:fld>
             <a:endParaRPr lang="en-US"/>
           </a:p>
@@ -4200,7 +4200,7 @@
           <a:p>
             <a:fld id="{63ADB11B-E519-4F92-B367-C3939BBD222E}" type="datetimeFigureOut">
               <a:rPr lang="en-US" smtClean="0"/>
-              <a:t>11/26/2024</a:t>
+              <a:t>9/7/2025</a:t>
             </a:fld>
             <a:endParaRPr lang="en-US"/>
           </a:p>
@@ -4647,6 +4647,13 @@
   <p:clrMapOvr>
     <a:masterClrMapping/>
   </p:clrMapOvr>
+  <p:timing>
+    <p:tnLst>
+      <p:par>
+        <p:cTn id="1" dur="indefinite" restart="never" nodeType="tmRoot"/>
+      </p:par>
+    </p:tnLst>
+  </p:timing>
 </p:sld>
 </file>
 
@@ -4803,6 +4810,13 @@
   <p:clrMapOvr>
     <a:masterClrMapping/>
   </p:clrMapOvr>
+  <p:timing>
+    <p:tnLst>
+      <p:par>
+        <p:cTn id="1" dur="indefinite" restart="never" nodeType="tmRoot"/>
+      </p:par>
+    </p:tnLst>
+  </p:timing>
 </p:sld>
 </file>
 
@@ -4870,20 +4884,28 @@
               <a:rPr lang="en-US" dirty="0" smtClean="0"/>
               <a:t>Paddin</a:t>
             </a:r>
+            <a:r>
+              <a:rPr lang="en-US" dirty="0"/>
+              <a:t>g</a:t>
+            </a:r>
+            <a:r>
+              <a:rPr lang="en-US" dirty="0" smtClean="0"/>
+              <a:t/>
+            </a:r>
             <a:br>
               <a:rPr lang="en-US" dirty="0" smtClean="0"/>
             </a:br>
             <a:r>
-              <a:rPr lang="en-US" dirty="0" smtClean="0"/>
+              <a:rPr lang="en-US" smtClean="0"/>
               <a:t>	</a:t>
             </a:r>
             <a:r>
-              <a:rPr lang="en-US" sz="1800" dirty="0" smtClean="0"/>
-              <a:t>margin</a:t>
+              <a:rPr lang="en-US" sz="1800" smtClean="0"/>
+              <a:t>padding: </a:t>
             </a:r>
             <a:r>
               <a:rPr lang="en-US" sz="1800" dirty="0"/>
-              <a:t>: 20px</a:t>
+              <a:t>20px</a:t>
             </a:r>
             <a:r>
               <a:rPr lang="en-US" sz="2800" dirty="0"/>
@@ -4987,6 +5009,13 @@
   <p:clrMapOvr>
     <a:masterClrMapping/>
   </p:clrMapOvr>
+  <p:timing>
+    <p:tnLst>
+      <p:par>
+        <p:cTn id="1" dur="indefinite" restart="never" nodeType="tmRoot"/>
+      </p:par>
+    </p:tnLst>
+  </p:timing>
 </p:sld>
 </file>
 
@@ -5092,6 +5121,13 @@
   <p:clrMapOvr>
     <a:masterClrMapping/>
   </p:clrMapOvr>
+  <p:timing>
+    <p:tnLst>
+      <p:par>
+        <p:cTn id="1" dur="indefinite" restart="never" nodeType="tmRoot"/>
+      </p:par>
+    </p:tnLst>
+  </p:timing>
 </p:sld>
 </file>
 
@@ -5183,6 +5219,13 @@
   <p:clrMapOvr>
     <a:masterClrMapping/>
   </p:clrMapOvr>
+  <p:timing>
+    <p:tnLst>
+      <p:par>
+        <p:cTn id="1" dur="indefinite" restart="never" nodeType="tmRoot"/>
+      </p:par>
+    </p:tnLst>
+  </p:timing>
 </p:sld>
 </file>
 
@@ -5239,66 +5282,27 @@
           <a:p>
             <a:r>
               <a:rPr lang="en-US" sz="2000" dirty="0"/>
-              <a:t>  src: url('../</a:t>
-            </a:r>
+              <a:t>    src: url('font/Vazir.ttf');</a:t>
+            </a:r>
+          </a:p>
+          <a:p>
+            <a:r>
+              <a:rPr lang="en-US" sz="2000" dirty="0"/>
+              <a:t>    src: url('font/Vazir.otf');</a:t>
+            </a:r>
+          </a:p>
+          <a:p>
+            <a:r>
+              <a:rPr lang="en-US" sz="2000" dirty="0"/>
+              <a:t>    src: url('font/Vazir.woff');</a:t>
+            </a:r>
+          </a:p>
+          <a:p>
             <a:r>
               <a:rPr lang="en-US" sz="2000" dirty="0" smtClean="0"/>
-              <a:t>font/</a:t>
-            </a:r>
-            <a:r>
-              <a:rPr lang="en-US" sz="2000" dirty="0"/>
-              <a:t>FontName</a:t>
-            </a:r>
-            <a:r>
-              <a:rPr lang="en-US" sz="2000" dirty="0" smtClean="0"/>
-              <a:t>.woff2</a:t>
-            </a:r>
-            <a:r>
-              <a:rPr lang="en-US" sz="2000" dirty="0"/>
-              <a:t>') format('woff2'),</a:t>
-            </a:r>
-          </a:p>
-          <a:p>
-            <a:r>
-              <a:rPr lang="en-US" sz="2000" dirty="0"/>
-              <a:t>       url('../</a:t>
-            </a:r>
-            <a:r>
-              <a:rPr lang="en-US" sz="2000" dirty="0" smtClean="0"/>
-              <a:t>font/FontName.woff</a:t>
-            </a:r>
-            <a:r>
-              <a:rPr lang="en-US" sz="2000" dirty="0"/>
-              <a:t>') format('woff'),</a:t>
-            </a:r>
-          </a:p>
-          <a:p>
-            <a:r>
-              <a:rPr lang="en-US" sz="2000" dirty="0"/>
-              <a:t>       url('../</a:t>
-            </a:r>
-            <a:r>
-              <a:rPr lang="en-US" sz="2000" dirty="0" smtClean="0"/>
-              <a:t>font/</a:t>
-            </a:r>
-            <a:r>
-              <a:rPr lang="en-US" sz="2000" dirty="0"/>
-              <a:t>FontName</a:t>
-            </a:r>
-            <a:r>
-              <a:rPr lang="en-US" sz="2000" dirty="0" smtClean="0"/>
-              <a:t>.ttf</a:t>
-            </a:r>
-            <a:r>
-              <a:rPr lang="en-US" sz="2000" dirty="0"/>
-              <a:t>') format('truetype');</a:t>
-            </a:r>
-          </a:p>
-          <a:p>
-            <a:r>
-              <a:rPr lang="en-US" sz="2000" dirty="0"/>
               <a:t>}</a:t>
             </a:r>
+            <a:endParaRPr lang="en-US" sz="2000" dirty="0"/>
           </a:p>
           <a:p>
             <a:endParaRPr lang="en-US" sz="2400" dirty="0"/>
@@ -5367,6 +5371,13 @@
   <p:clrMapOvr>
     <a:masterClrMapping/>
   </p:clrMapOvr>
+  <p:timing>
+    <p:tnLst>
+      <p:par>
+        <p:cTn id="1" dur="indefinite" restart="never" nodeType="tmRoot"/>
+      </p:par>
+    </p:tnLst>
+  </p:timing>
 </p:sld>
 </file>
 
@@ -5481,6 +5492,13 @@
   <p:clrMapOvr>
     <a:masterClrMapping/>
   </p:clrMapOvr>
+  <p:timing>
+    <p:tnLst>
+      <p:par>
+        <p:cTn id="1" dur="indefinite" restart="never" nodeType="tmRoot"/>
+      </p:par>
+    </p:tnLst>
+  </p:timing>
 </p:sld>
 </file>
 
@@ -5603,6 +5621,13 @@
   <p:clrMapOvr>
     <a:masterClrMapping/>
   </p:clrMapOvr>
+  <p:timing>
+    <p:tnLst>
+      <p:par>
+        <p:cTn id="1" dur="indefinite" restart="never" nodeType="tmRoot"/>
+      </p:par>
+    </p:tnLst>
+  </p:timing>
 </p:sld>
 </file>
 
@@ -5830,6 +5855,13 @@
   <p:clrMapOvr>
     <a:masterClrMapping/>
   </p:clrMapOvr>
+  <p:timing>
+    <p:tnLst>
+      <p:par>
+        <p:cTn id="1" dur="indefinite" restart="never" nodeType="tmRoot"/>
+      </p:par>
+    </p:tnLst>
+  </p:timing>
 </p:sld>
 </file>
 
@@ -6144,6 +6176,13 @@
   <p:clrMapOvr>
     <a:masterClrMapping/>
   </p:clrMapOvr>
+  <p:timing>
+    <p:tnLst>
+      <p:par>
+        <p:cTn id="1" dur="indefinite" restart="never" nodeType="tmRoot"/>
+      </p:par>
+    </p:tnLst>
+  </p:timing>
 </p:sld>
 </file>
 
@@ -6244,6 +6283,13 @@
   <p:clrMapOvr>
     <a:masterClrMapping/>
   </p:clrMapOvr>
+  <p:timing>
+    <p:tnLst>
+      <p:par>
+        <p:cTn id="1" dur="indefinite" restart="never" nodeType="tmRoot"/>
+      </p:par>
+    </p:tnLst>
+  </p:timing>
 </p:sld>
 </file>
 
@@ -6469,6 +6515,13 @@
   <p:clrMapOvr>
     <a:masterClrMapping/>
   </p:clrMapOvr>
+  <p:timing>
+    <p:tnLst>
+      <p:par>
+        <p:cTn id="1" dur="indefinite" restart="never" nodeType="tmRoot"/>
+      </p:par>
+    </p:tnLst>
+  </p:timing>
 </p:sld>
 </file>
 
@@ -6499,147 +6552,71 @@
             <p:ph idx="1"/>
           </p:nvPr>
         </p:nvSpPr>
-        <p:spPr/>
-        <p:txBody>
-          <a:bodyPr>
-            <a:normAutofit lnSpcReduction="10000"/>
-          </a:bodyPr>
-          <a:lstStyle/>
-          <a:p>
-            <a:r>
-              <a:rPr lang="en-US" sz="2000" b="1" dirty="0" smtClean="0"/>
-              <a:t>Tag </a:t>
-            </a:r>
-            <a:r>
-              <a:rPr lang="en-US" sz="2000" b="1" dirty="0"/>
-              <a:t>Selector:</a:t>
-            </a:r>
-            <a:r>
-              <a:rPr lang="en-US" sz="2000" dirty="0"/>
-              <a:t> </a:t>
-            </a:r>
-            <a:endParaRPr lang="en-US" sz="2000" dirty="0" smtClean="0"/>
-          </a:p>
-          <a:p>
-            <a:r>
-              <a:rPr lang="en-US" sz="1600" dirty="0" smtClean="0"/>
-              <a:t>p </a:t>
-            </a:r>
-            <a:r>
-              <a:rPr lang="en-US" sz="1600" dirty="0"/>
-              <a:t>{</a:t>
-            </a:r>
-          </a:p>
-          <a:p>
-            <a:r>
-              <a:rPr lang="en-US" sz="1600" dirty="0"/>
-              <a:t>  color: green;</a:t>
-            </a:r>
-          </a:p>
-          <a:p>
-            <a:r>
-              <a:rPr lang="en-US" sz="1600" dirty="0" smtClean="0"/>
-              <a:t>}</a:t>
-            </a:r>
-          </a:p>
-          <a:p>
-            <a:endParaRPr lang="en-US" dirty="0" smtClean="0"/>
-          </a:p>
-          <a:p>
-            <a:r>
-              <a:rPr lang="en-US" sz="2000" b="1" dirty="0" smtClean="0"/>
-              <a:t>Class </a:t>
-            </a:r>
-            <a:r>
-              <a:rPr lang="en-US" sz="2000" b="1" dirty="0"/>
-              <a:t>Selector:</a:t>
-            </a:r>
-            <a:r>
-              <a:rPr lang="en-US" dirty="0"/>
-              <a:t/>
-            </a:r>
-            <a:br>
-              <a:rPr lang="en-US" dirty="0"/>
-            </a:br>
-            <a:r>
-              <a:rPr lang="en-US" sz="1800" dirty="0"/>
-              <a:t>.example {</a:t>
-            </a:r>
-          </a:p>
-          <a:p>
-            <a:r>
-              <a:rPr lang="en-US" sz="1800" dirty="0"/>
-              <a:t>  font-size: 20px;</a:t>
-            </a:r>
-          </a:p>
-          <a:p>
-            <a:r>
-              <a:rPr lang="en-US" sz="1800" dirty="0" smtClean="0"/>
-              <a:t>}</a:t>
-            </a:r>
-          </a:p>
-          <a:p>
-            <a:endParaRPr lang="en-US" sz="1800" dirty="0"/>
-          </a:p>
-          <a:p>
-            <a:r>
-              <a:rPr lang="en-US" sz="1800" b="1" dirty="0" smtClean="0"/>
-              <a:t>ID </a:t>
-            </a:r>
-            <a:r>
-              <a:rPr lang="en-US" sz="1800" b="1" dirty="0"/>
-              <a:t>Selector:</a:t>
-            </a:r>
-            <a:r>
-              <a:rPr lang="en-US" sz="1800" dirty="0"/>
-              <a:t> </a:t>
-            </a:r>
-            <a:br>
-              <a:rPr lang="en-US" sz="1800" dirty="0"/>
-            </a:br>
-            <a:r>
-              <a:rPr lang="en-US" sz="1800" dirty="0"/>
-              <a:t>#unique {</a:t>
-            </a:r>
-          </a:p>
-          <a:p>
-            <a:r>
-              <a:rPr lang="en-US" sz="1800" dirty="0"/>
-              <a:t>  background-color: yellow;</a:t>
-            </a:r>
-          </a:p>
-          <a:p>
-            <a:r>
-              <a:rPr lang="en-US" sz="1800" dirty="0"/>
-              <a:t>}</a:t>
-            </a:r>
-          </a:p>
-          <a:p>
-            <a:endParaRPr lang="en-US" sz="1800" dirty="0"/>
-          </a:p>
-          <a:p>
-            <a:endParaRPr lang="en-US" dirty="0"/>
-          </a:p>
-        </p:txBody>
-      </p:sp>
-      <p:sp>
-        <p:nvSpPr>
-          <p:cNvPr id="3" name="Title 2"/>
-          <p:cNvSpPr>
-            <a:spLocks noGrp="1"/>
-          </p:cNvSpPr>
-          <p:nvPr>
-            <p:ph type="title"/>
-          </p:nvPr>
-        </p:nvSpPr>
-        <p:spPr/>
+        <p:spPr>
+          <a:xfrm>
+            <a:off x="457200" y="2133600"/>
+            <a:ext cx="8229600" cy="4525963"/>
+          </a:xfrm>
+        </p:spPr>
         <p:txBody>
           <a:bodyPr/>
           <a:lstStyle/>
           <a:p>
             <a:r>
               <a:rPr lang="en-US" dirty="0" smtClean="0"/>
-              <a:t>CSS Selectors</a:t>
+              <a:t># Id</a:t>
+            </a:r>
+          </a:p>
+          <a:p>
+            <a:endParaRPr lang="en-US" dirty="0"/>
+          </a:p>
+          <a:p>
+            <a:r>
+              <a:rPr lang="en-US" dirty="0"/>
+              <a:t>.</a:t>
+            </a:r>
+            <a:r>
+              <a:rPr lang="en-US" dirty="0" smtClean="0"/>
+              <a:t>Class</a:t>
+            </a:r>
+          </a:p>
+          <a:p>
+            <a:endParaRPr lang="en-US" dirty="0"/>
+          </a:p>
+          <a:p>
+            <a:r>
+              <a:rPr lang="en-US" dirty="0" smtClean="0"/>
+              <a:t>Id, the </a:t>
+            </a:r>
+            <a:r>
+              <a:rPr lang="en-US" dirty="0"/>
+              <a:t>last style given</a:t>
+            </a:r>
+          </a:p>
+        </p:txBody>
+      </p:sp>
+      <p:sp>
+        <p:nvSpPr>
+          <p:cNvPr id="3" name="Title 2"/>
+          <p:cNvSpPr>
+            <a:spLocks noGrp="1"/>
+          </p:cNvSpPr>
+          <p:nvPr>
+            <p:ph type="title"/>
+          </p:nvPr>
+        </p:nvSpPr>
+        <p:spPr/>
+        <p:txBody>
+          <a:bodyPr/>
+          <a:lstStyle/>
+          <a:p>
+            <a:r>
+              <a:rPr lang="en-US" dirty="0"/>
+              <a:t>CSS (Specificity</a:t>
+            </a:r>
+            <a:r>
+              <a:rPr lang="en-US" dirty="0" smtClean="0"/>
+              <a:t>)</a:t>
             </a:r>
             <a:endParaRPr lang="en-US" dirty="0"/>
           </a:p>
@@ -6648,13 +6625,20 @@
     </p:spTree>
     <p:extLst>
       <p:ext uri="{BB962C8B-B14F-4D97-AF65-F5344CB8AC3E}">
-        <p14:creationId xmlns:p14="http://schemas.microsoft.com/office/powerpoint/2010/main" val="160938563"/>
+        <p14:creationId xmlns:p14="http://schemas.microsoft.com/office/powerpoint/2010/main" val="282604946"/>
       </p:ext>
     </p:extLst>
   </p:cSld>
   <p:clrMapOvr>
     <a:masterClrMapping/>
   </p:clrMapOvr>
+  <p:timing>
+    <p:tnLst>
+      <p:par>
+        <p:cTn id="1" dur="indefinite" restart="never" nodeType="tmRoot"/>
+      </p:par>
+    </p:tnLst>
+  </p:timing>
 </p:sld>
 </file>
 
@@ -6685,368 +6669,126 @@
             <p:ph idx="1"/>
           </p:nvPr>
         </p:nvSpPr>
-        <p:spPr>
-          <a:xfrm>
-            <a:off x="457200" y="1371600"/>
-            <a:ext cx="8229600" cy="4843272"/>
-          </a:xfrm>
-        </p:spPr>
+        <p:spPr/>
         <p:txBody>
           <a:bodyPr>
-            <a:normAutofit fontScale="62500" lnSpcReduction="20000"/>
+            <a:normAutofit lnSpcReduction="10000"/>
           </a:bodyPr>
           <a:lstStyle/>
           <a:p>
-            <a:pPr marL="365760" lvl="1" indent="-256032">
-              <a:spcBef>
-                <a:spcPts val="400"/>
-              </a:spcBef>
-              <a:buSzPct val="68000"/>
-              <a:buFont typeface="Wingdings 3"/>
-              <a:buChar char=""/>
-            </a:pPr>
-            <a:r>
-              <a:rPr lang="en-US" sz="2600" dirty="0">
-                <a:cs typeface="Times New Roman" panose="02020603050405020304" pitchFamily="18" charset="0"/>
-              </a:rPr>
-              <a:t>Grouping Selectors</a:t>
-            </a:r>
-            <a:endParaRPr lang="fa-IR" sz="2600" dirty="0">
-              <a:cs typeface="Times New Roman" panose="02020603050405020304" pitchFamily="18" charset="0"/>
-            </a:endParaRPr>
-          </a:p>
-          <a:p>
-            <a:pPr marL="365760" lvl="1" indent="-256032">
-              <a:spcBef>
-                <a:spcPts val="400"/>
-              </a:spcBef>
-              <a:buSzPct val="68000"/>
-              <a:buFont typeface="Wingdings 3"/>
-              <a:buChar char=""/>
-            </a:pPr>
-            <a:r>
-              <a:rPr lang="en-US" sz="2000" dirty="0">
-                <a:solidFill>
-                  <a:srgbClr val="0070C0"/>
-                </a:solidFill>
-                <a:cs typeface="Times New Roman" panose="02020603050405020304" pitchFamily="18" charset="0"/>
-              </a:rPr>
-              <a:t>.class1, .class2, .class3 </a:t>
-            </a:r>
-            <a:r>
-              <a:rPr lang="en-US" sz="2000" dirty="0">
-                <a:cs typeface="Times New Roman" panose="02020603050405020304" pitchFamily="18" charset="0"/>
-              </a:rPr>
+            <a:r>
+              <a:rPr lang="en-US" sz="2000" b="1" dirty="0" smtClean="0"/>
+              <a:t>Tag </a:t>
+            </a:r>
+            <a:r>
+              <a:rPr lang="en-US" sz="2000" b="1" dirty="0"/>
+              <a:t>Selector:</a:t>
+            </a:r>
+            <a:r>
+              <a:rPr lang="en-US" sz="2000" dirty="0"/>
+              <a:t> </a:t>
+            </a:r>
+            <a:endParaRPr lang="en-US" sz="2000" dirty="0" smtClean="0"/>
+          </a:p>
+          <a:p>
+            <a:r>
+              <a:rPr lang="en-US" sz="1600" dirty="0" smtClean="0"/>
+              <a:t>p </a:t>
+            </a:r>
+            <a:r>
+              <a:rPr lang="en-US" sz="1600" dirty="0"/>
               <a:t>{</a:t>
             </a:r>
           </a:p>
           <a:p>
-            <a:pPr marL="365760" lvl="1" indent="-256032">
-              <a:spcBef>
-                <a:spcPts val="400"/>
-              </a:spcBef>
-              <a:buSzPct val="68000"/>
-              <a:buFont typeface="Wingdings 3"/>
-              <a:buChar char=""/>
-            </a:pPr>
-            <a:r>
-              <a:rPr lang="en-US" sz="2000" dirty="0">
-                <a:cs typeface="Times New Roman" panose="02020603050405020304" pitchFamily="18" charset="0"/>
-              </a:rPr>
-              <a:t>    color: blue;</a:t>
-            </a:r>
-          </a:p>
-          <a:p>
-            <a:pPr marL="365760" lvl="1" indent="-256032">
-              <a:spcBef>
-                <a:spcPts val="400"/>
-              </a:spcBef>
-              <a:buSzPct val="68000"/>
-              <a:buFont typeface="Wingdings 3"/>
-              <a:buChar char=""/>
-            </a:pPr>
-            <a:r>
-              <a:rPr lang="en-US" sz="2000" dirty="0">
-                <a:cs typeface="Times New Roman" panose="02020603050405020304" pitchFamily="18" charset="0"/>
-              </a:rPr>
-              <a:t>    font-size: 16px;</a:t>
-            </a:r>
-          </a:p>
-          <a:p>
-            <a:pPr marL="365760" lvl="1" indent="-256032">
-              <a:spcBef>
-                <a:spcPts val="400"/>
-              </a:spcBef>
-              <a:buSzPct val="68000"/>
-              <a:buFont typeface="Wingdings 3"/>
-              <a:buChar char=""/>
-            </a:pPr>
-            <a:r>
-              <a:rPr lang="en-US" sz="2000" dirty="0" smtClean="0">
-                <a:cs typeface="Times New Roman" panose="02020603050405020304" pitchFamily="18" charset="0"/>
-              </a:rPr>
+            <a:r>
+              <a:rPr lang="en-US" sz="1600" dirty="0"/>
+              <a:t>  color: green;</a:t>
+            </a:r>
+          </a:p>
+          <a:p>
+            <a:r>
+              <a:rPr lang="en-US" sz="1600" dirty="0" smtClean="0"/>
               <a:t>}</a:t>
             </a:r>
-            <a:endParaRPr lang="en-US" sz="2000" dirty="0">
-              <a:cs typeface="Times New Roman" panose="02020603050405020304" pitchFamily="18" charset="0"/>
-            </a:endParaRPr>
-          </a:p>
-          <a:p>
-            <a:pPr marL="365760" lvl="1" indent="-256032">
-              <a:spcBef>
-                <a:spcPts val="400"/>
-              </a:spcBef>
-              <a:buSzPct val="68000"/>
-              <a:buFont typeface="Wingdings 3"/>
-              <a:buChar char=""/>
-            </a:pPr>
-            <a:r>
-              <a:rPr lang="en-US" sz="2200" dirty="0">
-                <a:cs typeface="Times New Roman" panose="02020603050405020304" pitchFamily="18" charset="0"/>
-              </a:rPr>
-              <a:t>.class1, .class2, </a:t>
-            </a:r>
-            <a:r>
-              <a:rPr lang="en-US" sz="2200" dirty="0">
-                <a:solidFill>
-                  <a:srgbClr val="0070C0"/>
-                </a:solidFill>
-                <a:cs typeface="Times New Roman" panose="02020603050405020304" pitchFamily="18" charset="0"/>
-              </a:rPr>
-              <a:t>#id1, #id2 </a:t>
-            </a:r>
-            <a:r>
-              <a:rPr lang="en-US" sz="2200" dirty="0">
-                <a:cs typeface="Times New Roman" panose="02020603050405020304" pitchFamily="18" charset="0"/>
-              </a:rPr>
-              <a:t>{</a:t>
-            </a:r>
-          </a:p>
-          <a:p>
-            <a:pPr marL="365760" lvl="1" indent="-256032">
-              <a:spcBef>
-                <a:spcPts val="400"/>
-              </a:spcBef>
-              <a:buSzPct val="68000"/>
-              <a:buFont typeface="Wingdings 3"/>
-              <a:buChar char=""/>
-            </a:pPr>
-            <a:r>
-              <a:rPr lang="en-US" sz="2800" dirty="0">
-                <a:cs typeface="Times New Roman" panose="02020603050405020304" pitchFamily="18" charset="0"/>
-              </a:rPr>
-              <a:t>    background-color: yellow;</a:t>
-            </a:r>
-          </a:p>
-          <a:p>
-            <a:pPr marL="365760" lvl="1" indent="-256032">
-              <a:spcBef>
-                <a:spcPts val="400"/>
-              </a:spcBef>
-              <a:buSzPct val="68000"/>
-              <a:buFont typeface="Wingdings 3"/>
-              <a:buChar char=""/>
-            </a:pPr>
-            <a:r>
-              <a:rPr lang="en-US" sz="2800" dirty="0">
-                <a:cs typeface="Times New Roman" panose="02020603050405020304" pitchFamily="18" charset="0"/>
-              </a:rPr>
-              <a:t>    padding: 10px;</a:t>
-            </a:r>
-          </a:p>
-          <a:p>
-            <a:pPr marL="365760" lvl="1" indent="-256032">
-              <a:spcBef>
-                <a:spcPts val="400"/>
-              </a:spcBef>
-              <a:buSzPct val="68000"/>
-              <a:buFont typeface="Wingdings 3"/>
-              <a:buChar char=""/>
-            </a:pPr>
-            <a:r>
-              <a:rPr lang="en-US" sz="2800" dirty="0" smtClean="0">
-                <a:cs typeface="Times New Roman" panose="02020603050405020304" pitchFamily="18" charset="0"/>
-              </a:rPr>
+          </a:p>
+          <a:p>
+            <a:endParaRPr lang="en-US" dirty="0" smtClean="0"/>
+          </a:p>
+          <a:p>
+            <a:r>
+              <a:rPr lang="en-US" sz="2000" b="1" dirty="0" smtClean="0"/>
+              <a:t>Class </a:t>
+            </a:r>
+            <a:r>
+              <a:rPr lang="en-US" sz="2000" b="1" dirty="0"/>
+              <a:t>Selector:</a:t>
+            </a:r>
+            <a:r>
+              <a:rPr lang="en-US" dirty="0"/>
+              <a:t/>
+            </a:r>
+            <a:br>
+              <a:rPr lang="en-US" dirty="0"/>
+            </a:br>
+            <a:r>
+              <a:rPr lang="en-US" sz="1800" dirty="0"/>
+              <a:t>.example {</a:t>
+            </a:r>
+          </a:p>
+          <a:p>
+            <a:r>
+              <a:rPr lang="en-US" sz="1800" dirty="0"/>
+              <a:t>  font-size: 20px;</a:t>
+            </a:r>
+          </a:p>
+          <a:p>
+            <a:r>
+              <a:rPr lang="en-US" sz="1800" dirty="0" smtClean="0"/>
               <a:t>}</a:t>
             </a:r>
-            <a:endParaRPr lang="fa-IR" sz="2800" dirty="0" smtClean="0">
-              <a:cs typeface="Times New Roman" panose="02020603050405020304" pitchFamily="18" charset="0"/>
-            </a:endParaRPr>
-          </a:p>
-          <a:p>
-            <a:pPr marL="365760" lvl="1" indent="-256032">
-              <a:spcBef>
-                <a:spcPts val="400"/>
-              </a:spcBef>
-              <a:buSzPct val="68000"/>
-              <a:buFont typeface="Wingdings 3"/>
-              <a:buChar char=""/>
-            </a:pPr>
-            <a:endParaRPr lang="fa-IR" sz="2800" dirty="0" smtClean="0">
-              <a:cs typeface="Times New Roman" panose="02020603050405020304" pitchFamily="18" charset="0"/>
-            </a:endParaRPr>
-          </a:p>
-          <a:p>
-            <a:pPr marL="365760" lvl="1" indent="-256032">
-              <a:spcBef>
-                <a:spcPts val="400"/>
-              </a:spcBef>
-              <a:buSzPct val="68000"/>
-              <a:buFont typeface="Wingdings 3"/>
-              <a:buChar char=""/>
-            </a:pPr>
-            <a:r>
-              <a:rPr lang="en-US" sz="2800" dirty="0"/>
-              <a:t>Descendant </a:t>
-            </a:r>
-            <a:r>
-              <a:rPr lang="en-US" sz="2800" dirty="0" smtClean="0"/>
-              <a:t>Selector</a:t>
-            </a:r>
-            <a:endParaRPr lang="fa-IR" sz="2800" dirty="0" smtClean="0"/>
-          </a:p>
-          <a:p>
-            <a:pPr marL="365760" lvl="1" indent="-256032">
-              <a:spcBef>
-                <a:spcPts val="400"/>
-              </a:spcBef>
-              <a:buSzPct val="68000"/>
-              <a:buFont typeface="Wingdings 3"/>
-              <a:buChar char=""/>
-            </a:pPr>
-            <a:r>
-              <a:rPr lang="en-US" sz="2800" dirty="0" smtClean="0"/>
-              <a:t>div  </a:t>
-            </a:r>
-            <a:r>
-              <a:rPr lang="en-US" sz="2800" dirty="0"/>
-              <a:t>p {</a:t>
-            </a:r>
-          </a:p>
-          <a:p>
-            <a:pPr marL="365760" lvl="1" indent="-256032">
-              <a:spcBef>
-                <a:spcPts val="400"/>
-              </a:spcBef>
-              <a:buSzPct val="68000"/>
-              <a:buFont typeface="Wingdings 3"/>
-              <a:buChar char=""/>
-            </a:pPr>
-            <a:r>
-              <a:rPr lang="en-US" sz="2800" dirty="0"/>
-              <a:t>    color: red;</a:t>
-            </a:r>
-          </a:p>
-          <a:p>
-            <a:pPr marL="365760" lvl="1" indent="-256032">
-              <a:spcBef>
-                <a:spcPts val="400"/>
-              </a:spcBef>
-              <a:buSzPct val="68000"/>
-              <a:buFont typeface="Wingdings 3"/>
-              <a:buChar char=""/>
-            </a:pPr>
-            <a:r>
-              <a:rPr lang="en-US" sz="2800" dirty="0" smtClean="0"/>
+          </a:p>
+          <a:p>
+            <a:endParaRPr lang="en-US" sz="1800" dirty="0"/>
+          </a:p>
+          <a:p>
+            <a:r>
+              <a:rPr lang="en-US" sz="1800" b="1" dirty="0" smtClean="0"/>
+              <a:t>ID </a:t>
+            </a:r>
+            <a:r>
+              <a:rPr lang="en-US" sz="1800" b="1" dirty="0"/>
+              <a:t>Selector:</a:t>
+            </a:r>
+            <a:r>
+              <a:rPr lang="en-US" sz="1800" dirty="0"/>
+              <a:t> </a:t>
+            </a:r>
+            <a:br>
+              <a:rPr lang="en-US" sz="1800" dirty="0"/>
+            </a:br>
+            <a:r>
+              <a:rPr lang="en-US" sz="1800" dirty="0"/>
+              <a:t>#unique {</a:t>
+            </a:r>
+          </a:p>
+          <a:p>
+            <a:r>
+              <a:rPr lang="en-US" sz="1800" dirty="0"/>
+              <a:t>  background-color: yellow;</a:t>
+            </a:r>
+          </a:p>
+          <a:p>
+            <a:r>
+              <a:rPr lang="en-US" sz="1800" dirty="0"/>
               <a:t>}</a:t>
             </a:r>
-            <a:endParaRPr lang="fa-IR" sz="2800" dirty="0" smtClean="0">
-              <a:cs typeface="Times New Roman" panose="02020603050405020304" pitchFamily="18" charset="0"/>
-            </a:endParaRPr>
-          </a:p>
-          <a:p>
-            <a:pPr marL="365760" lvl="1" indent="-256032">
-              <a:spcBef>
-                <a:spcPts val="400"/>
-              </a:spcBef>
-              <a:buSzPct val="68000"/>
-              <a:buFont typeface="Wingdings 3"/>
-              <a:buChar char=""/>
-            </a:pPr>
-            <a:endParaRPr lang="fa-IR" sz="2800" dirty="0">
-              <a:cs typeface="Times New Roman" panose="02020603050405020304" pitchFamily="18" charset="0"/>
-            </a:endParaRPr>
-          </a:p>
-          <a:p>
-            <a:pPr marL="365760" lvl="1" indent="-256032">
-              <a:spcBef>
-                <a:spcPts val="400"/>
-              </a:spcBef>
-              <a:buSzPct val="68000"/>
-              <a:buFont typeface="Wingdings 3"/>
-              <a:buChar char=""/>
-            </a:pPr>
-            <a:r>
-              <a:rPr lang="en-US" sz="2200" dirty="0"/>
-              <a:t>Child </a:t>
-            </a:r>
-            <a:r>
-              <a:rPr lang="en-US" sz="2200" dirty="0" smtClean="0"/>
-              <a:t>Selector</a:t>
-            </a:r>
-            <a:endParaRPr lang="fa-IR" sz="3300" dirty="0" smtClean="0"/>
-          </a:p>
-          <a:p>
-            <a:pPr marL="365760" lvl="1" indent="-256032">
-              <a:spcBef>
-                <a:spcPts val="400"/>
-              </a:spcBef>
-              <a:buSzPct val="68000"/>
-              <a:buFont typeface="Wingdings 3"/>
-              <a:buChar char=""/>
-            </a:pPr>
-            <a:r>
-              <a:rPr lang="en-US" sz="2200" dirty="0" smtClean="0"/>
-              <a:t>div </a:t>
-            </a:r>
-            <a:r>
-              <a:rPr lang="en-US" sz="2200" dirty="0"/>
-              <a:t>&gt; p {</a:t>
-            </a:r>
-          </a:p>
-          <a:p>
-            <a:pPr marL="365760" lvl="1" indent="-256032">
-              <a:spcBef>
-                <a:spcPts val="400"/>
-              </a:spcBef>
-              <a:buSzPct val="68000"/>
-              <a:buFont typeface="Wingdings 3"/>
-              <a:buChar char=""/>
-            </a:pPr>
-            <a:r>
-              <a:rPr lang="en-US" sz="2200" dirty="0"/>
-              <a:t>    color: red;</a:t>
-            </a:r>
-          </a:p>
-          <a:p>
-            <a:pPr marL="365760" lvl="1" indent="-256032">
-              <a:spcBef>
-                <a:spcPts val="400"/>
-              </a:spcBef>
-              <a:buSzPct val="68000"/>
-              <a:buFont typeface="Wingdings 3"/>
-              <a:buChar char=""/>
-            </a:pPr>
-            <a:r>
-              <a:rPr lang="en-US" sz="2200" dirty="0" smtClean="0"/>
-              <a:t>}</a:t>
-            </a:r>
-            <a:endParaRPr lang="fa-IR" sz="2000" dirty="0" smtClean="0">
-              <a:cs typeface="Times New Roman" panose="02020603050405020304" pitchFamily="18" charset="0"/>
-            </a:endParaRPr>
-          </a:p>
-          <a:p>
-            <a:pPr marL="365760" lvl="1" indent="-256032">
-              <a:spcBef>
-                <a:spcPts val="400"/>
-              </a:spcBef>
-              <a:buSzPct val="68000"/>
-              <a:buFont typeface="Wingdings 3"/>
-              <a:buChar char=""/>
-            </a:pPr>
-            <a:endParaRPr lang="fa-IR" sz="2800" dirty="0" smtClean="0">
-              <a:cs typeface="Times New Roman" panose="02020603050405020304" pitchFamily="18" charset="0"/>
-            </a:endParaRPr>
+          </a:p>
+          <a:p>
+            <a:endParaRPr lang="en-US" sz="1800" dirty="0"/>
+          </a:p>
+          <a:p>
+            <a:endParaRPr lang="en-US" dirty="0"/>
           </a:p>
         </p:txBody>
       </p:sp>
@@ -7066,22 +6808,30 @@
           <a:lstStyle/>
           <a:p>
             <a:r>
-              <a:rPr lang="en-US" dirty="0"/>
+              <a:rPr lang="en-US" dirty="0" smtClean="0"/>
               <a:t>CSS Selectors</a:t>
             </a:r>
+            <a:endParaRPr lang="en-US" dirty="0"/>
           </a:p>
         </p:txBody>
       </p:sp>
     </p:spTree>
     <p:extLst>
       <p:ext uri="{BB962C8B-B14F-4D97-AF65-F5344CB8AC3E}">
-        <p14:creationId xmlns:p14="http://schemas.microsoft.com/office/powerpoint/2010/main" val="2245720953"/>
+        <p14:creationId xmlns:p14="http://schemas.microsoft.com/office/powerpoint/2010/main" val="160938563"/>
       </p:ext>
     </p:extLst>
   </p:cSld>
   <p:clrMapOvr>
     <a:masterClrMapping/>
   </p:clrMapOvr>
+  <p:timing>
+    <p:tnLst>
+      <p:par>
+        <p:cTn id="1" dur="indefinite" restart="never" nodeType="tmRoot"/>
+      </p:par>
+    </p:tnLst>
+  </p:timing>
 </p:sld>
 </file>
 
@@ -7112,84 +6862,17 @@
             <p:ph idx="1"/>
           </p:nvPr>
         </p:nvSpPr>
-        <p:spPr/>
+        <p:spPr>
+          <a:xfrm>
+            <a:off x="457200" y="1371600"/>
+            <a:ext cx="8229600" cy="4843272"/>
+          </a:xfrm>
+        </p:spPr>
         <p:txBody>
           <a:bodyPr>
-            <a:normAutofit fontScale="92500" lnSpcReduction="20000"/>
+            <a:normAutofit fontScale="62500" lnSpcReduction="20000"/>
           </a:bodyPr>
           <a:lstStyle/>
-          <a:p>
-            <a:r>
-              <a:rPr lang="en-US" dirty="0"/>
-              <a:t>Adjacent Sibling </a:t>
-            </a:r>
-            <a:r>
-              <a:rPr lang="en-US" dirty="0" smtClean="0"/>
-              <a:t>Selector</a:t>
-            </a:r>
-            <a:endParaRPr lang="fa-IR" dirty="0" smtClean="0"/>
-          </a:p>
-          <a:p>
-            <a:r>
-              <a:rPr lang="en-US" sz="2000" dirty="0" smtClean="0"/>
-              <a:t>h2 </a:t>
-            </a:r>
-            <a:r>
-              <a:rPr lang="en-US" sz="2000" dirty="0"/>
-              <a:t>+ p {</a:t>
-            </a:r>
-          </a:p>
-          <a:p>
-            <a:r>
-              <a:rPr lang="en-US" sz="2000" dirty="0"/>
-              <a:t>    color: red;</a:t>
-            </a:r>
-          </a:p>
-          <a:p>
-            <a:r>
-              <a:rPr lang="en-US" sz="2000" dirty="0"/>
-              <a:t>}</a:t>
-            </a:r>
-          </a:p>
-          <a:p>
-            <a:endParaRPr lang="fa-IR" dirty="0" smtClean="0"/>
-          </a:p>
-          <a:p>
-            <a:r>
-              <a:rPr lang="en-US" dirty="0"/>
-              <a:t>General Sibling </a:t>
-            </a:r>
-            <a:r>
-              <a:rPr lang="en-US" dirty="0" smtClean="0"/>
-              <a:t>Selector</a:t>
-            </a:r>
-            <a:endParaRPr lang="fa-IR" dirty="0" smtClean="0"/>
-          </a:p>
-          <a:p>
-            <a:r>
-              <a:rPr lang="en-US" sz="1800" dirty="0" smtClean="0"/>
-              <a:t>h2 </a:t>
-            </a:r>
-            <a:r>
-              <a:rPr lang="en-US" sz="1800" dirty="0"/>
-              <a:t>~ p {</a:t>
-            </a:r>
-          </a:p>
-          <a:p>
-            <a:r>
-              <a:rPr lang="en-US" sz="1800" dirty="0"/>
-              <a:t>    font-weight: bold;</a:t>
-            </a:r>
-          </a:p>
-          <a:p>
-            <a:r>
-              <a:rPr lang="en-US" sz="1800" dirty="0"/>
-              <a:t>}</a:t>
-            </a:r>
-          </a:p>
-          <a:p>
-            <a:endParaRPr lang="fa-IR" dirty="0" smtClean="0"/>
-          </a:p>
           <a:p>
             <a:pPr marL="365760" lvl="1" indent="-256032">
               <a:spcBef>
@@ -7200,12 +6883,12 @@
               <a:buChar char=""/>
             </a:pPr>
             <a:r>
-              <a:rPr lang="en-US" sz="3200" dirty="0">
+              <a:rPr lang="en-US" sz="2600" dirty="0">
                 <a:cs typeface="Times New Roman" panose="02020603050405020304" pitchFamily="18" charset="0"/>
               </a:rPr>
-              <a:t>Universal Selector</a:t>
-            </a:r>
-            <a:endParaRPr lang="fa-IR" sz="3200" dirty="0">
+              <a:t>Grouping Selectors</a:t>
+            </a:r>
+            <a:endParaRPr lang="fa-IR" sz="2600" dirty="0">
               <a:cs typeface="Times New Roman" panose="02020603050405020304" pitchFamily="18" charset="0"/>
             </a:endParaRPr>
           </a:p>
@@ -7219,10 +6902,19 @@
               <a:buChar char=""/>
             </a:pPr>
             <a:r>
-              <a:rPr lang="en-US" sz="1900" dirty="0">
+              <a:rPr lang="en-US" sz="2000" dirty="0">
+                <a:solidFill>
+                  <a:srgbClr val="0070C0"/>
+                </a:solidFill>
                 <a:cs typeface="Times New Roman" panose="02020603050405020304" pitchFamily="18" charset="0"/>
               </a:rPr>
-              <a:t>* {</a:t>
+              <a:t>.class1, .class2, .class3 </a:t>
+            </a:r>
+            <a:r>
+              <a:rPr lang="en-US" sz="2000" dirty="0">
+                <a:cs typeface="Times New Roman" panose="02020603050405020304" pitchFamily="18" charset="0"/>
+              </a:rPr>
+              <a:t>{</a:t>
             </a:r>
           </a:p>
           <a:p>
@@ -7235,7 +6927,7 @@
               <a:buChar char=""/>
             </a:pPr>
             <a:r>
-              <a:rPr lang="en-US" sz="1900" dirty="0">
+              <a:rPr lang="en-US" sz="2000" dirty="0">
                 <a:cs typeface="Times New Roman" panose="02020603050405020304" pitchFamily="18" charset="0"/>
               </a:rPr>
               <a:t>    color: blue;</a:t>
@@ -7251,17 +6943,287 @@
               <a:buChar char=""/>
             </a:pPr>
             <a:r>
-              <a:rPr lang="en-US" sz="1900" dirty="0">
+              <a:rPr lang="en-US" sz="2000" dirty="0">
+                <a:cs typeface="Times New Roman" panose="02020603050405020304" pitchFamily="18" charset="0"/>
+              </a:rPr>
+              <a:t>    font-size: 16px;</a:t>
+            </a:r>
+          </a:p>
+          <a:p>
+            <a:pPr marL="365760" lvl="1" indent="-256032">
+              <a:spcBef>
+                <a:spcPts val="400"/>
+              </a:spcBef>
+              <a:buSzPct val="68000"/>
+              <a:buFont typeface="Wingdings 3"/>
+              <a:buChar char=""/>
+            </a:pPr>
+            <a:r>
+              <a:rPr lang="en-US" sz="2000" dirty="0" smtClean="0">
                 <a:cs typeface="Times New Roman" panose="02020603050405020304" pitchFamily="18" charset="0"/>
               </a:rPr>
               <a:t>}</a:t>
             </a:r>
-            <a:endParaRPr lang="en-US" sz="3200" dirty="0">
+            <a:endParaRPr lang="en-US" sz="2000" dirty="0">
               <a:cs typeface="Times New Roman" panose="02020603050405020304" pitchFamily="18" charset="0"/>
             </a:endParaRPr>
           </a:p>
           <a:p>
-            <a:endParaRPr lang="en-US" dirty="0"/>
+            <a:pPr marL="365760" lvl="1" indent="-256032">
+              <a:spcBef>
+                <a:spcPts val="400"/>
+              </a:spcBef>
+              <a:buSzPct val="68000"/>
+              <a:buFont typeface="Wingdings 3"/>
+              <a:buChar char=""/>
+            </a:pPr>
+            <a:r>
+              <a:rPr lang="en-US" sz="2200" dirty="0">
+                <a:cs typeface="Times New Roman" panose="02020603050405020304" pitchFamily="18" charset="0"/>
+              </a:rPr>
+              <a:t>.class1, .class2, </a:t>
+            </a:r>
+            <a:r>
+              <a:rPr lang="en-US" sz="2200" dirty="0">
+                <a:solidFill>
+                  <a:srgbClr val="0070C0"/>
+                </a:solidFill>
+                <a:cs typeface="Times New Roman" panose="02020603050405020304" pitchFamily="18" charset="0"/>
+              </a:rPr>
+              <a:t>#id1, #id2 </a:t>
+            </a:r>
+            <a:r>
+              <a:rPr lang="en-US" sz="2200" dirty="0">
+                <a:cs typeface="Times New Roman" panose="02020603050405020304" pitchFamily="18" charset="0"/>
+              </a:rPr>
+              <a:t>{</a:t>
+            </a:r>
+          </a:p>
+          <a:p>
+            <a:pPr marL="365760" lvl="1" indent="-256032">
+              <a:spcBef>
+                <a:spcPts val="400"/>
+              </a:spcBef>
+              <a:buSzPct val="68000"/>
+              <a:buFont typeface="Wingdings 3"/>
+              <a:buChar char=""/>
+            </a:pPr>
+            <a:r>
+              <a:rPr lang="en-US" sz="2800" dirty="0">
+                <a:cs typeface="Times New Roman" panose="02020603050405020304" pitchFamily="18" charset="0"/>
+              </a:rPr>
+              <a:t>    background-color: yellow;</a:t>
+            </a:r>
+          </a:p>
+          <a:p>
+            <a:pPr marL="365760" lvl="1" indent="-256032">
+              <a:spcBef>
+                <a:spcPts val="400"/>
+              </a:spcBef>
+              <a:buSzPct val="68000"/>
+              <a:buFont typeface="Wingdings 3"/>
+              <a:buChar char=""/>
+            </a:pPr>
+            <a:r>
+              <a:rPr lang="en-US" sz="2800" dirty="0">
+                <a:cs typeface="Times New Roman" panose="02020603050405020304" pitchFamily="18" charset="0"/>
+              </a:rPr>
+              <a:t>    padding: 10px;</a:t>
+            </a:r>
+          </a:p>
+          <a:p>
+            <a:pPr marL="365760" lvl="1" indent="-256032">
+              <a:spcBef>
+                <a:spcPts val="400"/>
+              </a:spcBef>
+              <a:buSzPct val="68000"/>
+              <a:buFont typeface="Wingdings 3"/>
+              <a:buChar char=""/>
+            </a:pPr>
+            <a:r>
+              <a:rPr lang="en-US" sz="2800" dirty="0" smtClean="0">
+                <a:cs typeface="Times New Roman" panose="02020603050405020304" pitchFamily="18" charset="0"/>
+              </a:rPr>
+              <a:t>}</a:t>
+            </a:r>
+            <a:endParaRPr lang="fa-IR" sz="2800" dirty="0" smtClean="0">
+              <a:cs typeface="Times New Roman" panose="02020603050405020304" pitchFamily="18" charset="0"/>
+            </a:endParaRPr>
+          </a:p>
+          <a:p>
+            <a:pPr marL="365760" lvl="1" indent="-256032">
+              <a:spcBef>
+                <a:spcPts val="400"/>
+              </a:spcBef>
+              <a:buSzPct val="68000"/>
+              <a:buFont typeface="Wingdings 3"/>
+              <a:buChar char=""/>
+            </a:pPr>
+            <a:endParaRPr lang="fa-IR" sz="2800" dirty="0" smtClean="0">
+              <a:cs typeface="Times New Roman" panose="02020603050405020304" pitchFamily="18" charset="0"/>
+            </a:endParaRPr>
+          </a:p>
+          <a:p>
+            <a:pPr marL="365760" lvl="1" indent="-256032">
+              <a:spcBef>
+                <a:spcPts val="400"/>
+              </a:spcBef>
+              <a:buSzPct val="68000"/>
+              <a:buFont typeface="Wingdings 3"/>
+              <a:buChar char=""/>
+            </a:pPr>
+            <a:r>
+              <a:rPr lang="en-US" sz="2800" dirty="0"/>
+              <a:t>Descendant </a:t>
+            </a:r>
+            <a:r>
+              <a:rPr lang="en-US" sz="2800" dirty="0" smtClean="0"/>
+              <a:t>Selector</a:t>
+            </a:r>
+            <a:endParaRPr lang="fa-IR" sz="2800" dirty="0" smtClean="0"/>
+          </a:p>
+          <a:p>
+            <a:pPr marL="365760" lvl="1" indent="-256032">
+              <a:spcBef>
+                <a:spcPts val="400"/>
+              </a:spcBef>
+              <a:buSzPct val="68000"/>
+              <a:buFont typeface="Wingdings 3"/>
+              <a:buChar char=""/>
+            </a:pPr>
+            <a:r>
+              <a:rPr lang="en-US" sz="2800" dirty="0" smtClean="0"/>
+              <a:t>div  </a:t>
+            </a:r>
+            <a:r>
+              <a:rPr lang="en-US" sz="2800" dirty="0"/>
+              <a:t>p {</a:t>
+            </a:r>
+          </a:p>
+          <a:p>
+            <a:pPr marL="365760" lvl="1" indent="-256032">
+              <a:spcBef>
+                <a:spcPts val="400"/>
+              </a:spcBef>
+              <a:buSzPct val="68000"/>
+              <a:buFont typeface="Wingdings 3"/>
+              <a:buChar char=""/>
+            </a:pPr>
+            <a:r>
+              <a:rPr lang="en-US" sz="2800" dirty="0"/>
+              <a:t>    color: red;</a:t>
+            </a:r>
+          </a:p>
+          <a:p>
+            <a:pPr marL="365760" lvl="1" indent="-256032">
+              <a:spcBef>
+                <a:spcPts val="400"/>
+              </a:spcBef>
+              <a:buSzPct val="68000"/>
+              <a:buFont typeface="Wingdings 3"/>
+              <a:buChar char=""/>
+            </a:pPr>
+            <a:r>
+              <a:rPr lang="en-US" sz="2800" dirty="0" smtClean="0"/>
+              <a:t>}</a:t>
+            </a:r>
+            <a:endParaRPr lang="fa-IR" sz="2800" dirty="0" smtClean="0">
+              <a:cs typeface="Times New Roman" panose="02020603050405020304" pitchFamily="18" charset="0"/>
+            </a:endParaRPr>
+          </a:p>
+          <a:p>
+            <a:pPr marL="365760" lvl="1" indent="-256032">
+              <a:spcBef>
+                <a:spcPts val="400"/>
+              </a:spcBef>
+              <a:buSzPct val="68000"/>
+              <a:buFont typeface="Wingdings 3"/>
+              <a:buChar char=""/>
+            </a:pPr>
+            <a:endParaRPr lang="fa-IR" sz="2800" dirty="0">
+              <a:cs typeface="Times New Roman" panose="02020603050405020304" pitchFamily="18" charset="0"/>
+            </a:endParaRPr>
+          </a:p>
+          <a:p>
+            <a:pPr marL="365760" lvl="1" indent="-256032">
+              <a:spcBef>
+                <a:spcPts val="400"/>
+              </a:spcBef>
+              <a:buSzPct val="68000"/>
+              <a:buFont typeface="Wingdings 3"/>
+              <a:buChar char=""/>
+            </a:pPr>
+            <a:r>
+              <a:rPr lang="en-US" sz="2200" dirty="0"/>
+              <a:t>Child </a:t>
+            </a:r>
+            <a:r>
+              <a:rPr lang="en-US" sz="2200" dirty="0" smtClean="0"/>
+              <a:t>Selector</a:t>
+            </a:r>
+            <a:endParaRPr lang="fa-IR" sz="3300" dirty="0" smtClean="0"/>
+          </a:p>
+          <a:p>
+            <a:pPr marL="365760" lvl="1" indent="-256032">
+              <a:spcBef>
+                <a:spcPts val="400"/>
+              </a:spcBef>
+              <a:buSzPct val="68000"/>
+              <a:buFont typeface="Wingdings 3"/>
+              <a:buChar char=""/>
+            </a:pPr>
+            <a:r>
+              <a:rPr lang="en-US" sz="2200" dirty="0" smtClean="0"/>
+              <a:t>div </a:t>
+            </a:r>
+            <a:r>
+              <a:rPr lang="en-US" sz="2200" dirty="0"/>
+              <a:t>&gt; p {</a:t>
+            </a:r>
+          </a:p>
+          <a:p>
+            <a:pPr marL="365760" lvl="1" indent="-256032">
+              <a:spcBef>
+                <a:spcPts val="400"/>
+              </a:spcBef>
+              <a:buSzPct val="68000"/>
+              <a:buFont typeface="Wingdings 3"/>
+              <a:buChar char=""/>
+            </a:pPr>
+            <a:r>
+              <a:rPr lang="en-US" sz="2200" dirty="0"/>
+              <a:t>    color: red;</a:t>
+            </a:r>
+          </a:p>
+          <a:p>
+            <a:pPr marL="365760" lvl="1" indent="-256032">
+              <a:spcBef>
+                <a:spcPts val="400"/>
+              </a:spcBef>
+              <a:buSzPct val="68000"/>
+              <a:buFont typeface="Wingdings 3"/>
+              <a:buChar char=""/>
+            </a:pPr>
+            <a:r>
+              <a:rPr lang="en-US" sz="2200" dirty="0" smtClean="0"/>
+              <a:t>}</a:t>
+            </a:r>
+            <a:endParaRPr lang="fa-IR" sz="2000" dirty="0" smtClean="0">
+              <a:cs typeface="Times New Roman" panose="02020603050405020304" pitchFamily="18" charset="0"/>
+            </a:endParaRPr>
+          </a:p>
+          <a:p>
+            <a:pPr marL="365760" lvl="1" indent="-256032">
+              <a:spcBef>
+                <a:spcPts val="400"/>
+              </a:spcBef>
+              <a:buSzPct val="68000"/>
+              <a:buFont typeface="Wingdings 3"/>
+              <a:buChar char=""/>
+            </a:pPr>
+            <a:endParaRPr lang="fa-IR" sz="2800" dirty="0" smtClean="0">
+              <a:cs typeface="Times New Roman" panose="02020603050405020304" pitchFamily="18" charset="0"/>
+            </a:endParaRPr>
           </a:p>
         </p:txBody>
       </p:sp>
@@ -7290,13 +7252,20 @@
     </p:spTree>
     <p:extLst>
       <p:ext uri="{BB962C8B-B14F-4D97-AF65-F5344CB8AC3E}">
-        <p14:creationId xmlns:p14="http://schemas.microsoft.com/office/powerpoint/2010/main" val="3283308644"/>
+        <p14:creationId xmlns:p14="http://schemas.microsoft.com/office/powerpoint/2010/main" val="2245720953"/>
       </p:ext>
     </p:extLst>
   </p:cSld>
   <p:clrMapOvr>
     <a:masterClrMapping/>
   </p:clrMapOvr>
+  <p:timing>
+    <p:tnLst>
+      <p:par>
+        <p:cTn id="1" dur="indefinite" restart="never" nodeType="tmRoot"/>
+      </p:par>
+    </p:tnLst>
+  </p:timing>
 </p:sld>
 </file>
 
@@ -7327,86 +7296,198 @@
             <p:ph idx="1"/>
           </p:nvPr>
         </p:nvSpPr>
-        <p:spPr>
-          <a:xfrm>
-            <a:off x="457200" y="2133600"/>
-            <a:ext cx="8229600" cy="4525963"/>
-          </a:xfrm>
-        </p:spPr>
+        <p:spPr/>
+        <p:txBody>
+          <a:bodyPr>
+            <a:normAutofit fontScale="92500" lnSpcReduction="20000"/>
+          </a:bodyPr>
+          <a:lstStyle/>
+          <a:p>
+            <a:r>
+              <a:rPr lang="en-US" dirty="0"/>
+              <a:t>Adjacent Sibling </a:t>
+            </a:r>
+            <a:r>
+              <a:rPr lang="en-US" dirty="0" smtClean="0"/>
+              <a:t>Selector</a:t>
+            </a:r>
+            <a:endParaRPr lang="fa-IR" dirty="0" smtClean="0"/>
+          </a:p>
+          <a:p>
+            <a:r>
+              <a:rPr lang="en-US" sz="2000" dirty="0" smtClean="0"/>
+              <a:t>h2 </a:t>
+            </a:r>
+            <a:r>
+              <a:rPr lang="en-US" sz="2000" dirty="0"/>
+              <a:t>+ p {</a:t>
+            </a:r>
+          </a:p>
+          <a:p>
+            <a:r>
+              <a:rPr lang="en-US" sz="2000" dirty="0"/>
+              <a:t>    color: red;</a:t>
+            </a:r>
+          </a:p>
+          <a:p>
+            <a:r>
+              <a:rPr lang="en-US" sz="2000" dirty="0"/>
+              <a:t>}</a:t>
+            </a:r>
+          </a:p>
+          <a:p>
+            <a:endParaRPr lang="fa-IR" dirty="0" smtClean="0"/>
+          </a:p>
+          <a:p>
+            <a:r>
+              <a:rPr lang="en-US" dirty="0"/>
+              <a:t>General Sibling </a:t>
+            </a:r>
+            <a:r>
+              <a:rPr lang="en-US" dirty="0" smtClean="0"/>
+              <a:t>Selector</a:t>
+            </a:r>
+            <a:endParaRPr lang="fa-IR" dirty="0" smtClean="0"/>
+          </a:p>
+          <a:p>
+            <a:r>
+              <a:rPr lang="en-US" sz="1800" dirty="0" smtClean="0"/>
+              <a:t>h2 </a:t>
+            </a:r>
+            <a:r>
+              <a:rPr lang="en-US" sz="1800" dirty="0"/>
+              <a:t>~ p {</a:t>
+            </a:r>
+          </a:p>
+          <a:p>
+            <a:r>
+              <a:rPr lang="en-US" sz="1800" dirty="0"/>
+              <a:t>    font-weight: bold;</a:t>
+            </a:r>
+          </a:p>
+          <a:p>
+            <a:r>
+              <a:rPr lang="en-US" sz="1800" dirty="0"/>
+              <a:t>}</a:t>
+            </a:r>
+          </a:p>
+          <a:p>
+            <a:endParaRPr lang="fa-IR" dirty="0" smtClean="0"/>
+          </a:p>
+          <a:p>
+            <a:pPr marL="365760" lvl="1" indent="-256032">
+              <a:spcBef>
+                <a:spcPts val="400"/>
+              </a:spcBef>
+              <a:buSzPct val="68000"/>
+              <a:buFont typeface="Wingdings 3"/>
+              <a:buChar char=""/>
+            </a:pPr>
+            <a:r>
+              <a:rPr lang="en-US" sz="3200" dirty="0">
+                <a:cs typeface="Times New Roman" panose="02020603050405020304" pitchFamily="18" charset="0"/>
+              </a:rPr>
+              <a:t>Universal Selector</a:t>
+            </a:r>
+            <a:endParaRPr lang="fa-IR" sz="3200" dirty="0">
+              <a:cs typeface="Times New Roman" panose="02020603050405020304" pitchFamily="18" charset="0"/>
+            </a:endParaRPr>
+          </a:p>
+          <a:p>
+            <a:pPr marL="365760" lvl="1" indent="-256032">
+              <a:spcBef>
+                <a:spcPts val="400"/>
+              </a:spcBef>
+              <a:buSzPct val="68000"/>
+              <a:buFont typeface="Wingdings 3"/>
+              <a:buChar char=""/>
+            </a:pPr>
+            <a:r>
+              <a:rPr lang="en-US" sz="1900" dirty="0">
+                <a:cs typeface="Times New Roman" panose="02020603050405020304" pitchFamily="18" charset="0"/>
+              </a:rPr>
+              <a:t>* {</a:t>
+            </a:r>
+          </a:p>
+          <a:p>
+            <a:pPr marL="365760" lvl="1" indent="-256032">
+              <a:spcBef>
+                <a:spcPts val="400"/>
+              </a:spcBef>
+              <a:buSzPct val="68000"/>
+              <a:buFont typeface="Wingdings 3"/>
+              <a:buChar char=""/>
+            </a:pPr>
+            <a:r>
+              <a:rPr lang="en-US" sz="1900" dirty="0">
+                <a:cs typeface="Times New Roman" panose="02020603050405020304" pitchFamily="18" charset="0"/>
+              </a:rPr>
+              <a:t>    color: blue;</a:t>
+            </a:r>
+          </a:p>
+          <a:p>
+            <a:pPr marL="365760" lvl="1" indent="-256032">
+              <a:spcBef>
+                <a:spcPts val="400"/>
+              </a:spcBef>
+              <a:buSzPct val="68000"/>
+              <a:buFont typeface="Wingdings 3"/>
+              <a:buChar char=""/>
+            </a:pPr>
+            <a:r>
+              <a:rPr lang="en-US" sz="1900" dirty="0">
+                <a:cs typeface="Times New Roman" panose="02020603050405020304" pitchFamily="18" charset="0"/>
+              </a:rPr>
+              <a:t>}</a:t>
+            </a:r>
+            <a:endParaRPr lang="en-US" sz="3200" dirty="0">
+              <a:cs typeface="Times New Roman" panose="02020603050405020304" pitchFamily="18" charset="0"/>
+            </a:endParaRPr>
+          </a:p>
+          <a:p>
+            <a:endParaRPr lang="en-US" dirty="0"/>
+          </a:p>
+        </p:txBody>
+      </p:sp>
+      <p:sp>
+        <p:nvSpPr>
+          <p:cNvPr id="3" name="Title 2"/>
+          <p:cNvSpPr>
+            <a:spLocks noGrp="1"/>
+          </p:cNvSpPr>
+          <p:nvPr>
+            <p:ph type="title"/>
+          </p:nvPr>
+        </p:nvSpPr>
+        <p:spPr/>
         <p:txBody>
           <a:bodyPr/>
           <a:lstStyle/>
           <a:p>
             <a:r>
-              <a:rPr lang="en-US" dirty="0" smtClean="0"/>
-              <a:t># Id</a:t>
-            </a:r>
-          </a:p>
-          <a:p>
-            <a:endParaRPr lang="en-US" dirty="0"/>
-          </a:p>
-          <a:p>
-            <a:r>
               <a:rPr lang="en-US" dirty="0"/>
-              <a:t>.</a:t>
-            </a:r>
-            <a:r>
-              <a:rPr lang="en-US" dirty="0" smtClean="0"/>
-              <a:t>Class</a:t>
-            </a:r>
-          </a:p>
-          <a:p>
-            <a:endParaRPr lang="en-US" dirty="0"/>
-          </a:p>
-          <a:p>
-            <a:r>
-              <a:rPr lang="en-US" dirty="0" smtClean="0"/>
-              <a:t>Id, the </a:t>
-            </a:r>
-            <a:r>
-              <a:rPr lang="en-US" dirty="0"/>
-              <a:t>last style given</a:t>
-            </a:r>
-          </a:p>
-        </p:txBody>
-      </p:sp>
-      <p:sp>
-        <p:nvSpPr>
-          <p:cNvPr id="3" name="Title 2"/>
-          <p:cNvSpPr>
-            <a:spLocks noGrp="1"/>
-          </p:cNvSpPr>
-          <p:nvPr>
-            <p:ph type="title"/>
-          </p:nvPr>
-        </p:nvSpPr>
-        <p:spPr/>
-        <p:txBody>
-          <a:bodyPr/>
-          <a:lstStyle/>
-          <a:p>
-            <a:r>
-              <a:rPr lang="en-US" dirty="0"/>
-              <a:t>CSS (Specificity</a:t>
-            </a:r>
-            <a:r>
-              <a:rPr lang="en-US" dirty="0" smtClean="0"/>
-              <a:t>)</a:t>
-            </a:r>
-            <a:endParaRPr lang="en-US" dirty="0"/>
+              <a:t>CSS Selectors</a:t>
+            </a:r>
           </a:p>
         </p:txBody>
       </p:sp>
     </p:spTree>
     <p:extLst>
       <p:ext uri="{BB962C8B-B14F-4D97-AF65-F5344CB8AC3E}">
-        <p14:creationId xmlns:p14="http://schemas.microsoft.com/office/powerpoint/2010/main" val="282604946"/>
+        <p14:creationId xmlns:p14="http://schemas.microsoft.com/office/powerpoint/2010/main" val="3283308644"/>
       </p:ext>
     </p:extLst>
   </p:cSld>
   <p:clrMapOvr>
     <a:masterClrMapping/>
   </p:clrMapOvr>
+  <p:timing>
+    <p:tnLst>
+      <p:par>
+        <p:cTn id="1" dur="indefinite" restart="never" nodeType="tmRoot"/>
+      </p:par>
+    </p:tnLst>
+  </p:timing>
 </p:sld>
 </file>
 
@@ -7554,6 +7635,13 @@
   <p:clrMapOvr>
     <a:masterClrMapping/>
   </p:clrMapOvr>
+  <p:timing>
+    <p:tnLst>
+      <p:par>
+        <p:cTn id="1" dur="indefinite" restart="never" nodeType="tmRoot"/>
+      </p:par>
+    </p:tnLst>
+  </p:timing>
 </p:sld>
 </file>
 
@@ -7728,6 +7816,13 @@
   <p:clrMapOvr>
     <a:masterClrMapping/>
   </p:clrMapOvr>
+  <p:timing>
+    <p:tnLst>
+      <p:par>
+        <p:cTn id="1" dur="indefinite" restart="never" nodeType="tmRoot"/>
+      </p:par>
+    </p:tnLst>
+  </p:timing>
 </p:sld>
 </file>
 
